--- a/非受控文档/2翻转PPT/PRD2018-G10-UML基础Ⅳ.pptx
+++ b/非受控文档/2翻转PPT/PRD2018-G10-UML基础Ⅳ.pptx
@@ -462,7 +462,7 @@
           <a:p>
             <a:fld id="{959EEDEB-74DD-4590-ADB0-3BDFBC7AA6C1}" type="datetimeFigureOut">
               <a:rPr lang="zh-CN" altLang="en-US" smtClean="0"/>
-              <a:t>2018/12/25</a:t>
+              <a:t>2018/12/26</a:t>
             </a:fld>
             <a:endParaRPr lang="zh-CN" altLang="en-US"/>
           </a:p>
@@ -858,7 +858,7 @@
           <a:p>
             <a:fld id="{698485DF-3FAB-45E9-A642-7745AB3E3AFD}" type="datetimeFigureOut">
               <a:rPr lang="zh-CN" altLang="en-US" smtClean="0"/>
-              <a:t>2018/12/25</a:t>
+              <a:t>2018/12/26</a:t>
             </a:fld>
             <a:endParaRPr lang="zh-CN" altLang="en-US"/>
           </a:p>
@@ -1021,7 +1021,7 @@
           <a:p>
             <a:fld id="{698485DF-3FAB-45E9-A642-7745AB3E3AFD}" type="datetimeFigureOut">
               <a:rPr lang="zh-CN" altLang="en-US" smtClean="0"/>
-              <a:t>2018/12/25</a:t>
+              <a:t>2018/12/26</a:t>
             </a:fld>
             <a:endParaRPr lang="zh-CN" altLang="en-US"/>
           </a:p>
@@ -1194,7 +1194,7 @@
           <a:p>
             <a:fld id="{698485DF-3FAB-45E9-A642-7745AB3E3AFD}" type="datetimeFigureOut">
               <a:rPr lang="zh-CN" altLang="en-US" smtClean="0"/>
-              <a:t>2018/12/25</a:t>
+              <a:t>2018/12/26</a:t>
             </a:fld>
             <a:endParaRPr lang="zh-CN" altLang="en-US"/>
           </a:p>
@@ -1306,7 +1306,7 @@
           <a:p>
             <a:fld id="{698485DF-3FAB-45E9-A642-7745AB3E3AFD}" type="datetimeFigureOut">
               <a:rPr lang="zh-CN" altLang="en-US" smtClean="0"/>
-              <a:t>2018/12/25</a:t>
+              <a:t>2018/12/26</a:t>
             </a:fld>
             <a:endParaRPr lang="zh-CN" altLang="en-US"/>
           </a:p>
@@ -2285,7 +2285,7 @@
           <a:p>
             <a:fld id="{698485DF-3FAB-45E9-A642-7745AB3E3AFD}" type="datetimeFigureOut">
               <a:rPr lang="zh-CN" altLang="en-US" smtClean="0"/>
-              <a:t>2018/12/25</a:t>
+              <a:t>2018/12/26</a:t>
             </a:fld>
             <a:endParaRPr lang="zh-CN" altLang="en-US"/>
           </a:p>
@@ -2525,7 +2525,7 @@
           <a:p>
             <a:fld id="{698485DF-3FAB-45E9-A642-7745AB3E3AFD}" type="datetimeFigureOut">
               <a:rPr lang="zh-CN" altLang="en-US" smtClean="0"/>
-              <a:t>2018/12/25</a:t>
+              <a:t>2018/12/26</a:t>
             </a:fld>
             <a:endParaRPr lang="zh-CN" altLang="en-US"/>
           </a:p>
@@ -2749,7 +2749,7 @@
           <a:p>
             <a:fld id="{698485DF-3FAB-45E9-A642-7745AB3E3AFD}" type="datetimeFigureOut">
               <a:rPr lang="zh-CN" altLang="en-US" smtClean="0"/>
-              <a:t>2018/12/25</a:t>
+              <a:t>2018/12/26</a:t>
             </a:fld>
             <a:endParaRPr lang="zh-CN" altLang="en-US"/>
           </a:p>
@@ -3108,7 +3108,7 @@
           <a:p>
             <a:fld id="{698485DF-3FAB-45E9-A642-7745AB3E3AFD}" type="datetimeFigureOut">
               <a:rPr lang="zh-CN" altLang="en-US" smtClean="0"/>
-              <a:t>2018/12/25</a:t>
+              <a:t>2018/12/26</a:t>
             </a:fld>
             <a:endParaRPr lang="zh-CN" altLang="en-US"/>
           </a:p>
@@ -3220,7 +3220,7 @@
           <a:p>
             <a:fld id="{698485DF-3FAB-45E9-A642-7745AB3E3AFD}" type="datetimeFigureOut">
               <a:rPr lang="zh-CN" altLang="en-US" smtClean="0"/>
-              <a:t>2018/12/25</a:t>
+              <a:t>2018/12/26</a:t>
             </a:fld>
             <a:endParaRPr lang="zh-CN" altLang="en-US"/>
           </a:p>
@@ -3310,7 +3310,7 @@
           <a:p>
             <a:fld id="{698485DF-3FAB-45E9-A642-7745AB3E3AFD}" type="datetimeFigureOut">
               <a:rPr lang="zh-CN" altLang="en-US" smtClean="0"/>
-              <a:t>2018/12/25</a:t>
+              <a:t>2018/12/26</a:t>
             </a:fld>
             <a:endParaRPr lang="zh-CN" altLang="en-US"/>
           </a:p>
@@ -3580,7 +3580,7 @@
           <a:p>
             <a:fld id="{698485DF-3FAB-45E9-A642-7745AB3E3AFD}" type="datetimeFigureOut">
               <a:rPr lang="zh-CN" altLang="en-US" smtClean="0"/>
-              <a:t>2018/12/25</a:t>
+              <a:t>2018/12/26</a:t>
             </a:fld>
             <a:endParaRPr lang="zh-CN" altLang="en-US"/>
           </a:p>
@@ -3827,7 +3827,7 @@
           <a:p>
             <a:fld id="{698485DF-3FAB-45E9-A642-7745AB3E3AFD}" type="datetimeFigureOut">
               <a:rPr lang="zh-CN" altLang="en-US" smtClean="0"/>
-              <a:t>2018/12/25</a:t>
+              <a:t>2018/12/26</a:t>
             </a:fld>
             <a:endParaRPr lang="zh-CN" altLang="en-US"/>
           </a:p>
@@ -4033,7 +4033,7 @@
           <a:p>
             <a:fld id="{698485DF-3FAB-45E9-A642-7745AB3E3AFD}" type="datetimeFigureOut">
               <a:rPr lang="zh-CN" altLang="en-US" smtClean="0"/>
-              <a:t>2018/12/25</a:t>
+              <a:t>2018/12/26</a:t>
             </a:fld>
             <a:endParaRPr lang="zh-CN" altLang="en-US"/>
           </a:p>
@@ -6358,7 +6358,7 @@
           <a:graphicData uri="http://schemas.openxmlformats.org/presentationml/2006/ole">
             <mc:AlternateContent xmlns:mc="http://schemas.openxmlformats.org/markup-compatibility/2006">
               <mc:Choice xmlns:v="urn:schemas-microsoft-com:vml" Requires="v">
-                <p:oleObj spid="_x0000_s5128" name="Document" r:id="rId3" imgW="5274753" imgH="6902528" progId="Word.Document.12">
+                <p:oleObj spid="_x0000_s5133" name="Document" r:id="rId3" imgW="5274753" imgH="6902528" progId="Word.Document.12">
                   <p:embed/>
                 </p:oleObj>
               </mc:Choice>
@@ -7156,7 +7156,7 @@
           <a:p>
             <a:r>
               <a:rPr lang="zh-CN" altLang="en-US" sz="3200" b="1" dirty="0"/>
-              <a:t>         图为本项目中管理员对帖子进行加精操作的序列图。</a:t>
+              <a:t>         图为本项目中管理员设置推荐课程的序列图。</a:t>
             </a:r>
             <a:endParaRPr lang="en-US" altLang="zh-CN" sz="3200" b="1" dirty="0"/>
           </a:p>
@@ -7164,37 +7164,41 @@
       </p:sp>
       <p:pic>
         <p:nvPicPr>
-          <p:cNvPr id="12" name="图片 11">
+          <p:cNvPr id="9" name="图片 8">
             <a:extLst>
               <a:ext uri="{FF2B5EF4-FFF2-40B4-BE49-F238E27FC236}">
-                <a16:creationId xmlns:a16="http://schemas.microsoft.com/office/drawing/2014/main" id="{715E5716-2A2B-42F3-9362-6B23D8442360}"/>
+                <a16:creationId xmlns:a16="http://schemas.microsoft.com/office/drawing/2014/main" id="{790B4238-D344-4D32-8CF5-477D225ED12D}"/>
               </a:ext>
             </a:extLst>
           </p:cNvPr>
-          <p:cNvPicPr>
-            <a:picLocks noChangeAspect="1"/>
-          </p:cNvPicPr>
+          <p:cNvPicPr/>
           <p:nvPr/>
         </p:nvPicPr>
-        <p:blipFill rotWithShape="1">
-          <a:blip r:embed="rId2">
+        <p:blipFill>
+          <a:blip r:embed="rId2" cstate="print">
             <a:extLst>
               <a:ext uri="{28A0092B-C50C-407E-A947-70E740481C1C}">
                 <a14:useLocalDpi xmlns:a14="http://schemas.microsoft.com/office/drawing/2010/main" val="0"/>
               </a:ext>
             </a:extLst>
           </a:blip>
-          <a:srcRect l="15655" t="1327" r="11634" b="9854"/>
-          <a:stretch/>
+          <a:srcRect/>
+          <a:stretch>
+            <a:fillRect/>
+          </a:stretch>
         </p:blipFill>
-        <p:spPr>
+        <p:spPr bwMode="auto">
           <a:xfrm>
-            <a:off x="287869" y="1167090"/>
-            <a:ext cx="6919975" cy="4671535"/>
+            <a:off x="-974034" y="1092800"/>
+            <a:ext cx="8259418" cy="5016758"/>
           </a:xfrm>
           <a:prstGeom prst="rect">
             <a:avLst/>
           </a:prstGeom>
+          <a:noFill/>
+          <a:ln>
+            <a:noFill/>
+          </a:ln>
         </p:spPr>
       </p:pic>
     </p:spTree>
@@ -7227,41 +7231,6 @@
           <a:chExt cx="0" cy="0"/>
         </a:xfrm>
       </p:grpSpPr>
-      <p:pic>
-        <p:nvPicPr>
-          <p:cNvPr id="12" name="图片 11">
-            <a:extLst>
-              <a:ext uri="{FF2B5EF4-FFF2-40B4-BE49-F238E27FC236}">
-                <a16:creationId xmlns:a16="http://schemas.microsoft.com/office/drawing/2014/main" id="{E916A0D1-A239-45CA-BA76-827B47DCB78C}"/>
-              </a:ext>
-            </a:extLst>
-          </p:cNvPr>
-          <p:cNvPicPr>
-            <a:picLocks noChangeAspect="1"/>
-          </p:cNvPicPr>
-          <p:nvPr/>
-        </p:nvPicPr>
-        <p:blipFill rotWithShape="1">
-          <a:blip r:embed="rId2">
-            <a:extLst>
-              <a:ext uri="{28A0092B-C50C-407E-A947-70E740481C1C}">
-                <a14:useLocalDpi xmlns:a14="http://schemas.microsoft.com/office/drawing/2010/main" val="0"/>
-              </a:ext>
-            </a:extLst>
-          </a:blip>
-          <a:srcRect l="15655" t="1327" r="11634" b="9854"/>
-          <a:stretch/>
-        </p:blipFill>
-        <p:spPr>
-          <a:xfrm>
-            <a:off x="287869" y="1167090"/>
-            <a:ext cx="6919975" cy="4671535"/>
-          </a:xfrm>
-          <a:prstGeom prst="rect">
-            <a:avLst/>
-          </a:prstGeom>
-        </p:spPr>
-      </p:pic>
       <p:sp>
         <p:nvSpPr>
           <p:cNvPr id="2" name="TextBox 76"/>
@@ -7556,8 +7525,8 @@
         </p:nvSpPr>
         <p:spPr>
           <a:xfrm>
-            <a:off x="6898822" y="3184072"/>
-            <a:ext cx="5191614" cy="1077218"/>
+            <a:off x="7662440" y="3184072"/>
+            <a:ext cx="4427995" cy="1569660"/>
           </a:xfrm>
           <a:prstGeom prst="rect">
             <a:avLst/>
@@ -7565,7 +7534,7 @@
           <a:noFill/>
         </p:spPr>
         <p:txBody>
-          <a:bodyPr wrap="none" rtlCol="0">
+          <a:bodyPr wrap="square" rtlCol="0">
             <a:spAutoFit/>
           </a:bodyPr>
           <a:lstStyle/>
@@ -7580,15 +7549,99 @@
             </a:r>
             <a:r>
               <a:rPr lang="zh-CN" altLang="en-US" sz="3200" dirty="0"/>
-              <a:t>）可以是人</a:t>
-            </a:r>
-            <a:endParaRPr lang="en-US" altLang="zh-CN" sz="3200" dirty="0"/>
-          </a:p>
-          <a:p>
-            <a:r>
-              <a:rPr lang="zh-CN" altLang="en-US" sz="3200" dirty="0"/>
-              <a:t>或其他的系统或其子系统</a:t>
-            </a:r>
+              <a:t>）可以是人或其他的系统或其子系统</a:t>
+            </a:r>
+          </a:p>
+        </p:txBody>
+      </p:sp>
+      <p:pic>
+        <p:nvPicPr>
+          <p:cNvPr id="11" name="图片 10">
+            <a:extLst>
+              <a:ext uri="{FF2B5EF4-FFF2-40B4-BE49-F238E27FC236}">
+                <a16:creationId xmlns:a16="http://schemas.microsoft.com/office/drawing/2014/main" id="{45BA2132-F386-4921-BF96-7B9CEF43DF5B}"/>
+              </a:ext>
+            </a:extLst>
+          </p:cNvPr>
+          <p:cNvPicPr/>
+          <p:nvPr/>
+        </p:nvPicPr>
+        <p:blipFill>
+          <a:blip r:embed="rId2" cstate="print">
+            <a:extLst>
+              <a:ext uri="{28A0092B-C50C-407E-A947-70E740481C1C}">
+                <a14:useLocalDpi xmlns:a14="http://schemas.microsoft.com/office/drawing/2010/main" val="0"/>
+              </a:ext>
+            </a:extLst>
+          </a:blip>
+          <a:srcRect/>
+          <a:stretch>
+            <a:fillRect/>
+          </a:stretch>
+        </p:blipFill>
+        <p:spPr bwMode="auto">
+          <a:xfrm>
+            <a:off x="-974034" y="1092800"/>
+            <a:ext cx="8259418" cy="5016758"/>
+          </a:xfrm>
+          <a:prstGeom prst="rect">
+            <a:avLst/>
+          </a:prstGeom>
+          <a:noFill/>
+          <a:ln>
+            <a:noFill/>
+          </a:ln>
+        </p:spPr>
+      </p:pic>
+      <p:sp>
+        <p:nvSpPr>
+          <p:cNvPr id="3" name="矩形 2">
+            <a:extLst>
+              <a:ext uri="{FF2B5EF4-FFF2-40B4-BE49-F238E27FC236}">
+                <a16:creationId xmlns:a16="http://schemas.microsoft.com/office/drawing/2014/main" id="{D3BF388A-C45E-4B1F-85FC-C95930833D5A}"/>
+              </a:ext>
+            </a:extLst>
+          </p:cNvPr>
+          <p:cNvSpPr/>
+          <p:nvPr/>
+        </p:nvSpPr>
+        <p:spPr>
+          <a:xfrm>
+            <a:off x="443585" y="1291280"/>
+            <a:ext cx="963385" cy="448068"/>
+          </a:xfrm>
+          <a:prstGeom prst="rect">
+            <a:avLst/>
+          </a:prstGeom>
+          <a:noFill/>
+          <a:ln>
+            <a:solidFill>
+              <a:srgbClr val="FF0000"/>
+            </a:solidFill>
+          </a:ln>
+        </p:spPr>
+        <p:style>
+          <a:lnRef idx="2">
+            <a:schemeClr val="accent1">
+              <a:shade val="50000"/>
+            </a:schemeClr>
+          </a:lnRef>
+          <a:fillRef idx="1">
+            <a:schemeClr val="accent1"/>
+          </a:fillRef>
+          <a:effectRef idx="0">
+            <a:schemeClr val="accent1"/>
+          </a:effectRef>
+          <a:fontRef idx="minor">
+            <a:schemeClr val="lt1"/>
+          </a:fontRef>
+        </p:style>
+        <p:txBody>
+          <a:bodyPr rtlCol="0" anchor="ctr"/>
+          <a:lstStyle/>
+          <a:p>
+            <a:pPr algn="ctr"/>
+            <a:endParaRPr lang="zh-CN" altLang="en-US"/>
           </a:p>
         </p:txBody>
       </p:sp>
@@ -7951,8 +8004,8 @@
         </p:nvSpPr>
         <p:spPr>
           <a:xfrm>
-            <a:off x="6898822" y="3184072"/>
-            <a:ext cx="5389617" cy="1569660"/>
+            <a:off x="7285384" y="2936847"/>
+            <a:ext cx="4208277" cy="1569660"/>
           </a:xfrm>
           <a:prstGeom prst="rect">
             <a:avLst/>
@@ -7960,7 +8013,7 @@
           <a:noFill/>
         </p:spPr>
         <p:txBody>
-          <a:bodyPr wrap="none" rtlCol="0">
+          <a:bodyPr wrap="square" rtlCol="0">
             <a:spAutoFit/>
           </a:bodyPr>
           <a:lstStyle/>
@@ -7975,22 +8028,99 @@
             </a:r>
             <a:r>
               <a:rPr lang="zh-CN" altLang="en-US" sz="3200" dirty="0"/>
-              <a:t>）之间可以进行</a:t>
-            </a:r>
-            <a:endParaRPr lang="en-US" altLang="zh-CN" sz="3200" dirty="0"/>
-          </a:p>
-          <a:p>
-            <a:r>
-              <a:rPr lang="zh-CN" altLang="en-US" sz="3200" dirty="0"/>
-              <a:t>交互，交互的顺序按时间的</a:t>
-            </a:r>
-            <a:endParaRPr lang="en-US" altLang="zh-CN" sz="3200" dirty="0"/>
-          </a:p>
-          <a:p>
-            <a:r>
-              <a:rPr lang="zh-CN" altLang="en-US" sz="3200" dirty="0"/>
-              <a:t>顺序。</a:t>
-            </a:r>
+              <a:t>）之间可以进行交互，交互的顺序按时间的顺序。</a:t>
+            </a:r>
+          </a:p>
+        </p:txBody>
+      </p:sp>
+      <p:pic>
+        <p:nvPicPr>
+          <p:cNvPr id="11" name="图片 10">
+            <a:extLst>
+              <a:ext uri="{FF2B5EF4-FFF2-40B4-BE49-F238E27FC236}">
+                <a16:creationId xmlns:a16="http://schemas.microsoft.com/office/drawing/2014/main" id="{08F5F2BF-9BB4-4C35-B7BE-9AD0CCF99173}"/>
+              </a:ext>
+            </a:extLst>
+          </p:cNvPr>
+          <p:cNvPicPr/>
+          <p:nvPr/>
+        </p:nvPicPr>
+        <p:blipFill>
+          <a:blip r:embed="rId3" cstate="print">
+            <a:extLst>
+              <a:ext uri="{28A0092B-C50C-407E-A947-70E740481C1C}">
+                <a14:useLocalDpi xmlns:a14="http://schemas.microsoft.com/office/drawing/2010/main" val="0"/>
+              </a:ext>
+            </a:extLst>
+          </a:blip>
+          <a:srcRect/>
+          <a:stretch>
+            <a:fillRect/>
+          </a:stretch>
+        </p:blipFill>
+        <p:spPr bwMode="auto">
+          <a:xfrm>
+            <a:off x="-974034" y="1092800"/>
+            <a:ext cx="8259418" cy="5016758"/>
+          </a:xfrm>
+          <a:prstGeom prst="rect">
+            <a:avLst/>
+          </a:prstGeom>
+          <a:noFill/>
+          <a:ln>
+            <a:noFill/>
+          </a:ln>
+        </p:spPr>
+      </p:pic>
+      <p:sp>
+        <p:nvSpPr>
+          <p:cNvPr id="12" name="矩形 11">
+            <a:extLst>
+              <a:ext uri="{FF2B5EF4-FFF2-40B4-BE49-F238E27FC236}">
+                <a16:creationId xmlns:a16="http://schemas.microsoft.com/office/drawing/2014/main" id="{152E24DF-EF23-463B-AD5C-731F27A3101B}"/>
+              </a:ext>
+            </a:extLst>
+          </p:cNvPr>
+          <p:cNvSpPr/>
+          <p:nvPr/>
+        </p:nvSpPr>
+        <p:spPr>
+          <a:xfrm>
+            <a:off x="1783287" y="1238729"/>
+            <a:ext cx="4212399" cy="448068"/>
+          </a:xfrm>
+          <a:prstGeom prst="rect">
+            <a:avLst/>
+          </a:prstGeom>
+          <a:noFill/>
+          <a:ln>
+            <a:solidFill>
+              <a:srgbClr val="FF0000"/>
+            </a:solidFill>
+          </a:ln>
+        </p:spPr>
+        <p:style>
+          <a:lnRef idx="2">
+            <a:schemeClr val="accent1">
+              <a:shade val="50000"/>
+            </a:schemeClr>
+          </a:lnRef>
+          <a:fillRef idx="1">
+            <a:schemeClr val="accent1"/>
+          </a:fillRef>
+          <a:effectRef idx="0">
+            <a:schemeClr val="accent1"/>
+          </a:effectRef>
+          <a:fontRef idx="minor">
+            <a:schemeClr val="lt1"/>
+          </a:fontRef>
+        </p:style>
+        <p:txBody>
+          <a:bodyPr rtlCol="0" anchor="ctr"/>
+          <a:lstStyle/>
+          <a:p>
+            <a:pPr algn="ctr"/>
+            <a:endParaRPr lang="zh-CN" altLang="en-US"/>
           </a:p>
         </p:txBody>
       </p:sp>
@@ -8353,8 +8483,8 @@
         </p:nvSpPr>
         <p:spPr>
           <a:xfrm>
-            <a:off x="6784522" y="3253701"/>
-            <a:ext cx="5562164" cy="2062103"/>
+            <a:off x="7479003" y="2490570"/>
+            <a:ext cx="4603435" cy="3046988"/>
           </a:xfrm>
           <a:prstGeom prst="rect">
             <a:avLst/>
@@ -8362,7 +8492,7 @@
           <a:noFill/>
         </p:spPr>
         <p:txBody>
-          <a:bodyPr wrap="none" rtlCol="0">
+          <a:bodyPr wrap="square" rtlCol="0">
             <a:spAutoFit/>
           </a:bodyPr>
           <a:lstStyle/>
@@ -8377,30 +8507,100 @@
             </a:r>
             <a:r>
               <a:rPr lang="zh-CN" altLang="en-US" sz="3200" dirty="0"/>
-              <a:t>）代表序列图</a:t>
+              <a:t>）代表序列图中对象在一段时间内的存在。生命线是一个时间线，其所用的时间取决于交互持续的时间</a:t>
             </a:r>
             <a:endParaRPr lang="en-US" altLang="zh-CN" sz="3200" dirty="0"/>
           </a:p>
-          <a:p>
-            <a:r>
-              <a:rPr lang="zh-CN" altLang="en-US" sz="3200" dirty="0"/>
-              <a:t>中对象在一段时间内的存在。</a:t>
-            </a:r>
-            <a:endParaRPr lang="en-US" altLang="zh-CN" sz="3200" dirty="0"/>
-          </a:p>
-          <a:p>
-            <a:r>
-              <a:rPr lang="zh-CN" altLang="en-US" sz="3200" dirty="0"/>
-              <a:t>生命线是一个时间线，其所用</a:t>
-            </a:r>
-            <a:endParaRPr lang="en-US" altLang="zh-CN" sz="3200" dirty="0"/>
-          </a:p>
-          <a:p>
-            <a:r>
-              <a:rPr lang="zh-CN" altLang="en-US" sz="3200" dirty="0"/>
-              <a:t>的时间取决于交互持续的时间</a:t>
-            </a:r>
-            <a:endParaRPr lang="en-US" altLang="zh-CN" sz="3200" dirty="0"/>
+        </p:txBody>
+      </p:sp>
+      <p:pic>
+        <p:nvPicPr>
+          <p:cNvPr id="11" name="图片 10">
+            <a:extLst>
+              <a:ext uri="{FF2B5EF4-FFF2-40B4-BE49-F238E27FC236}">
+                <a16:creationId xmlns:a16="http://schemas.microsoft.com/office/drawing/2014/main" id="{CD419F14-EF7B-46BD-9C13-490E9196D3AA}"/>
+              </a:ext>
+            </a:extLst>
+          </p:cNvPr>
+          <p:cNvPicPr/>
+          <p:nvPr/>
+        </p:nvPicPr>
+        <p:blipFill>
+          <a:blip r:embed="rId3" cstate="print">
+            <a:extLst>
+              <a:ext uri="{28A0092B-C50C-407E-A947-70E740481C1C}">
+                <a14:useLocalDpi xmlns:a14="http://schemas.microsoft.com/office/drawing/2010/main" val="0"/>
+              </a:ext>
+            </a:extLst>
+          </a:blip>
+          <a:srcRect/>
+          <a:stretch>
+            <a:fillRect/>
+          </a:stretch>
+        </p:blipFill>
+        <p:spPr bwMode="auto">
+          <a:xfrm>
+            <a:off x="-974034" y="1092800"/>
+            <a:ext cx="8259418" cy="5016758"/>
+          </a:xfrm>
+          <a:prstGeom prst="rect">
+            <a:avLst/>
+          </a:prstGeom>
+          <a:noFill/>
+          <a:ln>
+            <a:noFill/>
+          </a:ln>
+        </p:spPr>
+      </p:pic>
+      <p:sp>
+        <p:nvSpPr>
+          <p:cNvPr id="12" name="矩形 11">
+            <a:extLst>
+              <a:ext uri="{FF2B5EF4-FFF2-40B4-BE49-F238E27FC236}">
+                <a16:creationId xmlns:a16="http://schemas.microsoft.com/office/drawing/2014/main" id="{1015CA84-46AC-4284-9A04-EA86DC133C86}"/>
+              </a:ext>
+            </a:extLst>
+          </p:cNvPr>
+          <p:cNvSpPr/>
+          <p:nvPr/>
+        </p:nvSpPr>
+        <p:spPr>
+          <a:xfrm>
+            <a:off x="1783287" y="1238729"/>
+            <a:ext cx="808643" cy="4452182"/>
+          </a:xfrm>
+          <a:prstGeom prst="rect">
+            <a:avLst/>
+          </a:prstGeom>
+          <a:noFill/>
+          <a:ln>
+            <a:solidFill>
+              <a:srgbClr val="FF0000"/>
+            </a:solidFill>
+          </a:ln>
+        </p:spPr>
+        <p:style>
+          <a:lnRef idx="2">
+            <a:schemeClr val="accent1">
+              <a:shade val="50000"/>
+            </a:schemeClr>
+          </a:lnRef>
+          <a:fillRef idx="1">
+            <a:schemeClr val="accent1"/>
+          </a:fillRef>
+          <a:effectRef idx="0">
+            <a:schemeClr val="accent1"/>
+          </a:effectRef>
+          <a:fontRef idx="minor">
+            <a:schemeClr val="lt1"/>
+          </a:fontRef>
+        </p:style>
+        <p:txBody>
+          <a:bodyPr rtlCol="0" anchor="ctr"/>
+          <a:lstStyle/>
+          <a:p>
+            <a:pPr algn="ctr"/>
+            <a:endParaRPr lang="zh-CN" altLang="en-US"/>
           </a:p>
         </p:txBody>
       </p:sp>
@@ -8763,8 +8963,8 @@
         </p:nvSpPr>
         <p:spPr>
           <a:xfrm>
-            <a:off x="6991116" y="3229208"/>
-            <a:ext cx="5148974" cy="1569660"/>
+            <a:off x="7578809" y="3019930"/>
+            <a:ext cx="4247902" cy="2062103"/>
           </a:xfrm>
           <a:prstGeom prst="rect">
             <a:avLst/>
@@ -8772,7 +8972,7 @@
           <a:noFill/>
         </p:spPr>
         <p:txBody>
-          <a:bodyPr wrap="none" rtlCol="0">
+          <a:bodyPr wrap="square" rtlCol="0">
             <a:spAutoFit/>
           </a:bodyPr>
           <a:lstStyle/>
@@ -8787,23 +8987,100 @@
             </a:r>
             <a:r>
               <a:rPr lang="zh-CN" altLang="en-US" sz="3200" dirty="0"/>
-              <a:t>）也称为</a:t>
+              <a:t>）也称为控制焦点，代表序列图中的对象执行一项操作的时期。</a:t>
             </a:r>
             <a:endParaRPr lang="en-US" altLang="zh-CN" sz="3200" dirty="0"/>
           </a:p>
-          <a:p>
-            <a:r>
-              <a:rPr lang="zh-CN" altLang="en-US" sz="3200" dirty="0"/>
-              <a:t>控制焦点，代表序列图中的</a:t>
-            </a:r>
-            <a:endParaRPr lang="en-US" altLang="zh-CN" sz="3200" dirty="0"/>
-          </a:p>
-          <a:p>
-            <a:r>
-              <a:rPr lang="zh-CN" altLang="en-US" sz="3200" dirty="0"/>
-              <a:t>对象执行一项操作的时期。</a:t>
-            </a:r>
-            <a:endParaRPr lang="en-US" altLang="zh-CN" sz="3200" dirty="0"/>
+        </p:txBody>
+      </p:sp>
+      <p:pic>
+        <p:nvPicPr>
+          <p:cNvPr id="11" name="图片 10">
+            <a:extLst>
+              <a:ext uri="{FF2B5EF4-FFF2-40B4-BE49-F238E27FC236}">
+                <a16:creationId xmlns:a16="http://schemas.microsoft.com/office/drawing/2014/main" id="{E6E4784F-A859-44BC-AB25-77F37D32F0E4}"/>
+              </a:ext>
+            </a:extLst>
+          </p:cNvPr>
+          <p:cNvPicPr/>
+          <p:nvPr/>
+        </p:nvPicPr>
+        <p:blipFill>
+          <a:blip r:embed="rId3" cstate="print">
+            <a:extLst>
+              <a:ext uri="{28A0092B-C50C-407E-A947-70E740481C1C}">
+                <a14:useLocalDpi xmlns:a14="http://schemas.microsoft.com/office/drawing/2010/main" val="0"/>
+              </a:ext>
+            </a:extLst>
+          </a:blip>
+          <a:srcRect/>
+          <a:stretch>
+            <a:fillRect/>
+          </a:stretch>
+        </p:blipFill>
+        <p:spPr bwMode="auto">
+          <a:xfrm>
+            <a:off x="-974034" y="1092800"/>
+            <a:ext cx="8259418" cy="5016758"/>
+          </a:xfrm>
+          <a:prstGeom prst="rect">
+            <a:avLst/>
+          </a:prstGeom>
+          <a:noFill/>
+          <a:ln>
+            <a:noFill/>
+          </a:ln>
+        </p:spPr>
+      </p:pic>
+      <p:sp>
+        <p:nvSpPr>
+          <p:cNvPr id="12" name="矩形 11">
+            <a:extLst>
+              <a:ext uri="{FF2B5EF4-FFF2-40B4-BE49-F238E27FC236}">
+                <a16:creationId xmlns:a16="http://schemas.microsoft.com/office/drawing/2014/main" id="{1C6D7CA2-711E-42A7-91E9-0A951B7BB1B8}"/>
+              </a:ext>
+            </a:extLst>
+          </p:cNvPr>
+          <p:cNvSpPr/>
+          <p:nvPr/>
+        </p:nvSpPr>
+        <p:spPr>
+          <a:xfrm>
+            <a:off x="2939213" y="2588457"/>
+            <a:ext cx="808643" cy="2481254"/>
+          </a:xfrm>
+          <a:prstGeom prst="rect">
+            <a:avLst/>
+          </a:prstGeom>
+          <a:noFill/>
+          <a:ln>
+            <a:solidFill>
+              <a:srgbClr val="FF0000"/>
+            </a:solidFill>
+          </a:ln>
+        </p:spPr>
+        <p:style>
+          <a:lnRef idx="2">
+            <a:schemeClr val="accent1">
+              <a:shade val="50000"/>
+            </a:schemeClr>
+          </a:lnRef>
+          <a:fillRef idx="1">
+            <a:schemeClr val="accent1"/>
+          </a:fillRef>
+          <a:effectRef idx="0">
+            <a:schemeClr val="accent1"/>
+          </a:effectRef>
+          <a:fontRef idx="minor">
+            <a:schemeClr val="lt1"/>
+          </a:fontRef>
+        </p:style>
+        <p:txBody>
+          <a:bodyPr rtlCol="0" anchor="ctr"/>
+          <a:lstStyle/>
+          <a:p>
+            <a:pPr algn="ctr"/>
+            <a:endParaRPr lang="zh-CN" altLang="en-US"/>
           </a:p>
         </p:txBody>
       </p:sp>
@@ -11328,8 +11605,8 @@
         </p:nvSpPr>
         <p:spPr>
           <a:xfrm>
-            <a:off x="6991116" y="3229208"/>
-            <a:ext cx="5344540" cy="2062103"/>
+            <a:off x="7299819" y="2661018"/>
+            <a:ext cx="4604312" cy="2554545"/>
           </a:xfrm>
           <a:prstGeom prst="rect">
             <a:avLst/>
@@ -11337,7 +11614,7 @@
           <a:noFill/>
         </p:spPr>
         <p:txBody>
-          <a:bodyPr wrap="none" rtlCol="0">
+          <a:bodyPr wrap="square" rtlCol="0">
             <a:spAutoFit/>
           </a:bodyPr>
           <a:lstStyle/>
@@ -11352,30 +11629,100 @@
             </a:r>
             <a:r>
               <a:rPr lang="zh-CN" altLang="en-US" sz="3200" dirty="0"/>
-              <a:t>）是对象之间</a:t>
+              <a:t>）是对象之间某种形式的通信，在垂直生命线之间，用带箭头的线并附以消息表达式方式表示。</a:t>
             </a:r>
             <a:endParaRPr lang="en-US" altLang="zh-CN" sz="3200" dirty="0"/>
           </a:p>
-          <a:p>
-            <a:r>
-              <a:rPr lang="zh-CN" altLang="en-US" sz="3200" dirty="0"/>
-              <a:t>某种形式的通信，在垂直生</a:t>
-            </a:r>
-            <a:endParaRPr lang="en-US" altLang="zh-CN" sz="3200" dirty="0"/>
-          </a:p>
-          <a:p>
-            <a:r>
-              <a:rPr lang="zh-CN" altLang="en-US" sz="3200" dirty="0"/>
-              <a:t>命线之间，用带箭头的线并</a:t>
-            </a:r>
-            <a:endParaRPr lang="en-US" altLang="zh-CN" sz="3200" dirty="0"/>
-          </a:p>
-          <a:p>
-            <a:r>
-              <a:rPr lang="zh-CN" altLang="en-US" sz="3200" dirty="0"/>
-              <a:t>附以消息表达式方式表示。</a:t>
-            </a:r>
-            <a:endParaRPr lang="en-US" altLang="zh-CN" sz="3200" dirty="0"/>
+        </p:txBody>
+      </p:sp>
+      <p:pic>
+        <p:nvPicPr>
+          <p:cNvPr id="11" name="图片 10">
+            <a:extLst>
+              <a:ext uri="{FF2B5EF4-FFF2-40B4-BE49-F238E27FC236}">
+                <a16:creationId xmlns:a16="http://schemas.microsoft.com/office/drawing/2014/main" id="{C9545487-5E84-43EA-AA12-A3A2C2596118}"/>
+              </a:ext>
+            </a:extLst>
+          </p:cNvPr>
+          <p:cNvPicPr/>
+          <p:nvPr/>
+        </p:nvPicPr>
+        <p:blipFill>
+          <a:blip r:embed="rId3" cstate="print">
+            <a:extLst>
+              <a:ext uri="{28A0092B-C50C-407E-A947-70E740481C1C}">
+                <a14:useLocalDpi xmlns:a14="http://schemas.microsoft.com/office/drawing/2010/main" val="0"/>
+              </a:ext>
+            </a:extLst>
+          </a:blip>
+          <a:srcRect/>
+          <a:stretch>
+            <a:fillRect/>
+          </a:stretch>
+        </p:blipFill>
+        <p:spPr bwMode="auto">
+          <a:xfrm>
+            <a:off x="-974034" y="1092800"/>
+            <a:ext cx="8259418" cy="5016758"/>
+          </a:xfrm>
+          <a:prstGeom prst="rect">
+            <a:avLst/>
+          </a:prstGeom>
+          <a:noFill/>
+          <a:ln>
+            <a:noFill/>
+          </a:ln>
+        </p:spPr>
+      </p:pic>
+      <p:sp>
+        <p:nvSpPr>
+          <p:cNvPr id="12" name="矩形 11">
+            <a:extLst>
+              <a:ext uri="{FF2B5EF4-FFF2-40B4-BE49-F238E27FC236}">
+                <a16:creationId xmlns:a16="http://schemas.microsoft.com/office/drawing/2014/main" id="{64118A6E-76C0-4515-9C59-5C7C02AB214F}"/>
+              </a:ext>
+            </a:extLst>
+          </p:cNvPr>
+          <p:cNvSpPr/>
+          <p:nvPr/>
+        </p:nvSpPr>
+        <p:spPr>
+          <a:xfrm>
+            <a:off x="3232445" y="3335110"/>
+            <a:ext cx="1338805" cy="439838"/>
+          </a:xfrm>
+          <a:prstGeom prst="rect">
+            <a:avLst/>
+          </a:prstGeom>
+          <a:noFill/>
+          <a:ln>
+            <a:solidFill>
+              <a:srgbClr val="FF0000"/>
+            </a:solidFill>
+          </a:ln>
+        </p:spPr>
+        <p:style>
+          <a:lnRef idx="2">
+            <a:schemeClr val="accent1">
+              <a:shade val="50000"/>
+            </a:schemeClr>
+          </a:lnRef>
+          <a:fillRef idx="1">
+            <a:schemeClr val="accent1"/>
+          </a:fillRef>
+          <a:effectRef idx="0">
+            <a:schemeClr val="accent1"/>
+          </a:effectRef>
+          <a:fontRef idx="minor">
+            <a:schemeClr val="lt1"/>
+          </a:fontRef>
+        </p:style>
+        <p:txBody>
+          <a:bodyPr rtlCol="0" anchor="ctr"/>
+          <a:lstStyle/>
+          <a:p>
+            <a:pPr algn="ctr"/>
+            <a:endParaRPr lang="zh-CN" altLang="en-US"/>
           </a:p>
         </p:txBody>
       </p:sp>
